--- a/Servlets/Day2/Docs/Web Presentation-Part2.pptx
+++ b/Servlets/Day2/Docs/Web Presentation-Part2.pptx
@@ -254,7 +254,7 @@
             <a:fld id="{4F94E7C4-328C-457B-8CA2-EE381C323794}" type="datetimeFigureOut">
               <a:rPr lang="en-US" smtClean="0"/>
               <a:pPr/>
-              <a:t>7/13/2016</a:t>
+              <a:t>6/26/2017</a:t>
             </a:fld>
             <a:endParaRPr lang="en-US"/>
           </a:p>
@@ -5283,7 +5283,7 @@
             <a:fld id="{0DDD1723-F08C-BC4A-A158-087EDAF93B47}" type="datetimeFigureOut">
               <a:rPr lang="en-US"/>
               <a:pPr/>
-              <a:t>7/13/2016</a:t>
+              <a:t>6/26/2017</a:t>
             </a:fld>
             <a:endParaRPr lang="en-US"/>
           </a:p>
@@ -5726,86 +5726,14 @@
       </p:pic>
       <p:sp>
         <p:nvSpPr>
-          <p:cNvPr id="6" name="TextBox 5"/>
+          <p:cNvPr id="8" name="TextBox 7"/>
           <p:cNvSpPr txBox="1"/>
           <p:nvPr/>
         </p:nvSpPr>
         <p:spPr>
           <a:xfrm>
-            <a:off x="662661" y="5680659"/>
-            <a:ext cx="2494465" cy="584775"/>
-          </a:xfrm>
-          <a:prstGeom prst="rect">
-            <a:avLst/>
-          </a:prstGeom>
-          <a:noFill/>
-        </p:spPr>
-        <p:txBody>
-          <a:bodyPr wrap="none" rtlCol="0">
-            <a:spAutoFit/>
-          </a:bodyPr>
-          <a:lstStyle/>
-          <a:p>
-            <a:r>
-              <a:rPr lang="en-US" sz="1600" dirty="0" smtClean="0">
-                <a:solidFill>
-                  <a:schemeClr val="bg1"/>
-                </a:solidFill>
-              </a:rPr>
-              <a:t>Author: </a:t>
-            </a:r>
-            <a:r>
-              <a:rPr lang="en-US" sz="1600" dirty="0" err="1" smtClean="0">
-                <a:solidFill>
-                  <a:schemeClr val="bg1"/>
-                </a:solidFill>
-              </a:rPr>
-              <a:t>Viorel</a:t>
-            </a:r>
-            <a:r>
-              <a:rPr lang="en-US" sz="1600" dirty="0" smtClean="0">
-                <a:solidFill>
-                  <a:schemeClr val="bg1"/>
-                </a:solidFill>
-              </a:rPr>
-              <a:t> TACLICIU</a:t>
-            </a:r>
-          </a:p>
-          <a:p>
-            <a:r>
-              <a:rPr lang="en-US" sz="1600" dirty="0">
-                <a:solidFill>
-                  <a:schemeClr val="bg1"/>
-                </a:solidFill>
-              </a:rPr>
-              <a:t> </a:t>
-            </a:r>
-            <a:r>
-              <a:rPr lang="en-US" sz="1600" dirty="0" smtClean="0">
-                <a:solidFill>
-                  <a:schemeClr val="bg1"/>
-                </a:solidFill>
-              </a:rPr>
-              <a:t>           Adrian DAFINOIU</a:t>
-            </a:r>
-            <a:endParaRPr lang="ro-RO" sz="1600" dirty="0">
-              <a:solidFill>
-                <a:schemeClr val="bg1"/>
-              </a:solidFill>
-            </a:endParaRPr>
-          </a:p>
-        </p:txBody>
-      </p:sp>
-      <p:sp>
-        <p:nvSpPr>
-          <p:cNvPr id="7" name="TextBox 6"/>
-          <p:cNvSpPr txBox="1"/>
-          <p:nvPr/>
-        </p:nvSpPr>
-        <p:spPr>
-          <a:xfrm>
-            <a:off x="3426373" y="5393250"/>
-            <a:ext cx="3890012" cy="1354217"/>
+            <a:off x="662661" y="5637654"/>
+            <a:ext cx="3550279" cy="584775"/>
           </a:xfrm>
           <a:prstGeom prst="rect">
             <a:avLst/>
@@ -5818,6 +5746,86 @@
           </a:bodyPr>
           <a:lstStyle/>
           <a:p>
+            <a:r>
+              <a:rPr lang="en-US" sz="1600" dirty="0" smtClean="0">
+                <a:solidFill>
+                  <a:schemeClr val="bg1"/>
+                </a:solidFill>
+              </a:rPr>
+              <a:t>Authors: </a:t>
+            </a:r>
+            <a:r>
+              <a:rPr lang="en-US" sz="1600" dirty="0" err="1" smtClean="0">
+                <a:solidFill>
+                  <a:schemeClr val="bg1"/>
+                </a:solidFill>
+              </a:rPr>
+              <a:t>Viorel</a:t>
+            </a:r>
+            <a:r>
+              <a:rPr lang="en-US" sz="1600" dirty="0" smtClean="0">
+                <a:solidFill>
+                  <a:schemeClr val="bg1"/>
+                </a:solidFill>
+              </a:rPr>
+              <a:t> TACLICIU</a:t>
+            </a:r>
+          </a:p>
+          <a:p>
+            <a:r>
+              <a:rPr lang="en-US" sz="1600" dirty="0">
+                <a:solidFill>
+                  <a:schemeClr val="bg1"/>
+                </a:solidFill>
+              </a:rPr>
+              <a:t>	 </a:t>
+            </a:r>
+            <a:r>
+              <a:rPr lang="en-US" sz="1600" dirty="0" smtClean="0">
+                <a:solidFill>
+                  <a:schemeClr val="bg1"/>
+                </a:solidFill>
+              </a:rPr>
+              <a:t>     </a:t>
+            </a:r>
+            <a:r>
+              <a:rPr lang="en-US" sz="1600" dirty="0" smtClean="0">
+                <a:solidFill>
+                  <a:schemeClr val="bg1"/>
+                </a:solidFill>
+              </a:rPr>
+              <a:t>Oana BESLIU</a:t>
+            </a:r>
+            <a:endParaRPr lang="ro-RO" sz="1600" dirty="0">
+              <a:solidFill>
+                <a:schemeClr val="bg1"/>
+              </a:solidFill>
+            </a:endParaRPr>
+          </a:p>
+        </p:txBody>
+      </p:sp>
+      <p:sp>
+        <p:nvSpPr>
+          <p:cNvPr id="9" name="TextBox 8"/>
+          <p:cNvSpPr txBox="1"/>
+          <p:nvPr/>
+        </p:nvSpPr>
+        <p:spPr>
+          <a:xfrm>
+            <a:off x="4032069" y="5097998"/>
+            <a:ext cx="3890012" cy="1600438"/>
+          </a:xfrm>
+          <a:prstGeom prst="rect">
+            <a:avLst/>
+          </a:prstGeom>
+          <a:noFill/>
+        </p:spPr>
+        <p:txBody>
+          <a:bodyPr wrap="square" rtlCol="0">
+            <a:spAutoFit/>
+          </a:bodyPr>
+          <a:lstStyle/>
+          <a:p>
             <a:endParaRPr lang="en-US" dirty="0" smtClean="0">
               <a:solidFill>
                 <a:schemeClr val="bg1"/>
@@ -5831,61 +5839,66 @@
                   <a:schemeClr val="bg1"/>
                 </a:solidFill>
               </a:rPr>
-              <a:t>Trainers: Daniela-Oana BESLIU</a:t>
-            </a:r>
-          </a:p>
-          <a:p>
+              <a:t>Trainers</a:t>
+            </a:r>
+            <a:r>
+              <a:rPr lang="en-US" sz="1600" dirty="0">
+                <a:solidFill>
+                  <a:schemeClr val="bg1"/>
+                </a:solidFill>
+              </a:rPr>
+              <a:t>: </a:t>
+            </a:r>
             <a:r>
               <a:rPr lang="en-US" sz="1600" dirty="0" smtClean="0">
                 <a:solidFill>
                   <a:schemeClr val="bg1"/>
                 </a:solidFill>
               </a:rPr>
-              <a:t>               Mihai VADUVA</a:t>
-            </a:r>
-          </a:p>
-          <a:p>
-            <a:r>
-              <a:rPr lang="en-US" sz="1600" dirty="0">
+              <a:t> Andrei Marica</a:t>
+            </a:r>
+          </a:p>
+          <a:p>
+            <a:r>
+              <a:rPr lang="en-US" sz="1600" dirty="0" smtClean="0">
                 <a:solidFill>
                   <a:schemeClr val="bg1"/>
                 </a:solidFill>
               </a:rPr>
-              <a:t> </a:t>
-            </a:r>
+              <a:t>		Cristian Dumitru</a:t>
+            </a:r>
+          </a:p>
+          <a:p>
             <a:r>
               <a:rPr lang="en-US" sz="1600" dirty="0" smtClean="0">
                 <a:solidFill>
                   <a:schemeClr val="bg1"/>
                 </a:solidFill>
               </a:rPr>
-              <a:t>              Andrei </a:t>
+              <a:t>		Catalin Bina</a:t>
+            </a:r>
+          </a:p>
+          <a:p>
+            <a:r>
+              <a:rPr lang="en-US" sz="1600" dirty="0" smtClean="0">
+                <a:solidFill>
+                  <a:schemeClr val="bg1"/>
+                </a:solidFill>
+              </a:rPr>
+              <a:t> 		Alexandru Krancevik</a:t>
+            </a:r>
+          </a:p>
+          <a:p>
+            <a:r>
+              <a:rPr lang="en-US" sz="1600" dirty="0" smtClean="0">
+                <a:solidFill>
+                  <a:schemeClr val="bg1"/>
+                </a:solidFill>
+              </a:rPr>
+              <a:t>		</a:t>
             </a:r>
             <a:r>
               <a:rPr lang="en-US" sz="1600" dirty="0" err="1" smtClean="0">
-                <a:solidFill>
-                  <a:schemeClr val="bg1"/>
-                </a:solidFill>
-              </a:rPr>
-              <a:t>Marica</a:t>
-            </a:r>
-            <a:endParaRPr lang="en-US" sz="1600" dirty="0" smtClean="0">
-              <a:solidFill>
-                <a:schemeClr val="bg1"/>
-              </a:solidFill>
-            </a:endParaRPr>
-          </a:p>
-          <a:p>
-            <a:r>
-              <a:rPr lang="en-US" sz="1600" dirty="0">
-                <a:solidFill>
-                  <a:schemeClr val="bg1"/>
-                </a:solidFill>
-              </a:rPr>
-              <a:t>               </a:t>
-            </a:r>
-            <a:r>
-              <a:rPr lang="en-US" sz="1600" dirty="0" err="1">
                 <a:solidFill>
                   <a:schemeClr val="bg1"/>
                 </a:solidFill>
@@ -5893,7 +5906,7 @@
               <a:t>Tekin</a:t>
             </a:r>
             <a:r>
-              <a:rPr lang="en-US" sz="1600" dirty="0">
+              <a:rPr lang="en-US" sz="1600" dirty="0" smtClean="0">
                 <a:solidFill>
                   <a:schemeClr val="bg1"/>
                 </a:solidFill>
@@ -19359,21 +19372,21 @@
 </file>
 
 <file path=customXml/item2.xml><?xml version="1.0" encoding="utf-8"?>
+<p:properties xmlns:p="http://schemas.microsoft.com/office/2006/metadata/properties" xmlns:xsi="http://www.w3.org/2001/XMLSchema-instance" xmlns:pc="http://schemas.microsoft.com/office/infopath/2007/PartnerControls">
+  <documentManagement>
+    <PublishingExpirationDate xmlns="http://schemas.microsoft.com/sharepoint/v3" xsi:nil="true"/>
+    <PublishingStartDate xmlns="http://schemas.microsoft.com/sharepoint/v3" xsi:nil="true"/>
+  </documentManagement>
+</p:properties>
+</file>
+
+<file path=customXml/item3.xml><?xml version="1.0" encoding="utf-8"?>
 <?mso-contentType ?>
 <FormTemplates xmlns="http://schemas.microsoft.com/sharepoint/v3/contenttype/forms">
   <Display>DocumentLibraryForm</Display>
   <Edit>DocumentLibraryForm</Edit>
   <New>DocumentLibraryForm</New>
 </FormTemplates>
-</file>
-
-<file path=customXml/item3.xml><?xml version="1.0" encoding="utf-8"?>
-<p:properties xmlns:p="http://schemas.microsoft.com/office/2006/metadata/properties" xmlns:xsi="http://www.w3.org/2001/XMLSchema-instance" xmlns:pc="http://schemas.microsoft.com/office/infopath/2007/PartnerControls">
-  <documentManagement>
-    <PublishingExpirationDate xmlns="http://schemas.microsoft.com/sharepoint/v3" xsi:nil="true"/>
-    <PublishingStartDate xmlns="http://schemas.microsoft.com/sharepoint/v3" xsi:nil="true"/>
-  </documentManagement>
-</p:properties>
 </file>
 
 <file path=customXml/itemProps1.xml><?xml version="1.0" encoding="utf-8"?>
@@ -19395,14 +19408,6 @@
 </file>
 
 <file path=customXml/itemProps2.xml><?xml version="1.0" encoding="utf-8"?>
-<ds:datastoreItem xmlns:ds="http://schemas.openxmlformats.org/officeDocument/2006/customXml" ds:itemID="{B3E8851E-A513-4DE1-BFEA-60B7444A3522}">
-  <ds:schemaRefs>
-    <ds:schemaRef ds:uri="http://schemas.microsoft.com/sharepoint/v3/contenttype/forms"/>
-  </ds:schemaRefs>
-</ds:datastoreItem>
-</file>
-
-<file path=customXml/itemProps3.xml><?xml version="1.0" encoding="utf-8"?>
 <ds:datastoreItem xmlns:ds="http://schemas.openxmlformats.org/officeDocument/2006/customXml" ds:itemID="{C1424CC9-255C-4972-B5F2-6F19B32F3DEA}">
   <ds:schemaRefs>
     <ds:schemaRef ds:uri="http://purl.org/dc/terms/"/>
@@ -19416,4 +19421,12 @@
     <ds:schemaRef ds:uri="http://schemas.microsoft.com/office/2006/metadata/properties"/>
   </ds:schemaRefs>
 </ds:datastoreItem>
+</file>
+
+<file path=customXml/itemProps3.xml><?xml version="1.0" encoding="utf-8"?>
+<ds:datastoreItem xmlns:ds="http://schemas.openxmlformats.org/officeDocument/2006/customXml" ds:itemID="{B3E8851E-A513-4DE1-BFEA-60B7444A3522}">
+  <ds:schemaRefs>
+    <ds:schemaRef ds:uri="http://schemas.microsoft.com/sharepoint/v3/contenttype/forms"/>
+  </ds:schemaRefs>
+</ds:datastoreItem>
 </file>